--- a/output/Figures/Fig8_ROS/ros.pptx
+++ b/output/Figures/Fig8_ROS/ros.pptx
@@ -2984,10 +2984,10 @@
       </p:grpSpPr>
       <p:pic>
         <p:nvPicPr>
-          <p:cNvPr id="38" name="Picture 37">
+          <p:cNvPr id="13" name="Picture 12">
             <a:extLst>
               <a:ext uri="{FF2B5EF4-FFF2-40B4-BE49-F238E27FC236}">
-                <a16:creationId xmlns:a16="http://schemas.microsoft.com/office/drawing/2014/main" id="{CFA9DF85-5F5E-C679-E21B-96F4FA465C96}"/>
+                <a16:creationId xmlns:a16="http://schemas.microsoft.com/office/drawing/2014/main" id="{3F787156-5F80-8247-0E93-0FFD8967A7D1}"/>
               </a:ext>
             </a:extLst>
           </p:cNvPr>
@@ -3004,8 +3004,8 @@
         </p:blipFill>
         <p:spPr>
           <a:xfrm>
-            <a:off x="1098268" y="5768044"/>
-            <a:ext cx="1520570" cy="1180443"/>
+            <a:off x="272485" y="5389263"/>
+            <a:ext cx="5486400" cy="4572000"/>
           </a:xfrm>
           <a:prstGeom prst="rect">
             <a:avLst/>
@@ -3014,100 +3014,10 @@
       </p:pic>
       <p:pic>
         <p:nvPicPr>
-          <p:cNvPr id="40" name="Picture 39">
+          <p:cNvPr id="12" name="Picture 11">
             <a:extLst>
               <a:ext uri="{FF2B5EF4-FFF2-40B4-BE49-F238E27FC236}">
-                <a16:creationId xmlns:a16="http://schemas.microsoft.com/office/drawing/2014/main" id="{DCE7F7DB-E12B-6838-DE9E-F8C935FDA71D}"/>
-              </a:ext>
-            </a:extLst>
-          </p:cNvPr>
-          <p:cNvPicPr>
-            <a:picLocks noChangeAspect="1"/>
-          </p:cNvPicPr>
-          <p:nvPr/>
-        </p:nvPicPr>
-        <p:blipFill>
-          <a:blip r:embed="rId2"/>
-          <a:stretch>
-            <a:fillRect/>
-          </a:stretch>
-        </p:blipFill>
-        <p:spPr>
-          <a:xfrm>
-            <a:off x="6686611" y="5818843"/>
-            <a:ext cx="1520570" cy="1180443"/>
-          </a:xfrm>
-          <a:prstGeom prst="rect">
-            <a:avLst/>
-          </a:prstGeom>
-        </p:spPr>
-      </p:pic>
-      <p:pic>
-        <p:nvPicPr>
-          <p:cNvPr id="34" name="Picture 33">
-            <a:extLst>
-              <a:ext uri="{FF2B5EF4-FFF2-40B4-BE49-F238E27FC236}">
-                <a16:creationId xmlns:a16="http://schemas.microsoft.com/office/drawing/2014/main" id="{4F11175E-2AC0-6316-709B-A44D28F8FB60}"/>
-              </a:ext>
-            </a:extLst>
-          </p:cNvPr>
-          <p:cNvPicPr>
-            <a:picLocks noChangeAspect="1"/>
-          </p:cNvPicPr>
-          <p:nvPr/>
-        </p:nvPicPr>
-        <p:blipFill>
-          <a:blip r:embed="rId2"/>
-          <a:stretch>
-            <a:fillRect/>
-          </a:stretch>
-        </p:blipFill>
-        <p:spPr>
-          <a:xfrm>
-            <a:off x="6686611" y="1246843"/>
-            <a:ext cx="1520570" cy="1180443"/>
-          </a:xfrm>
-          <a:prstGeom prst="rect">
-            <a:avLst/>
-          </a:prstGeom>
-        </p:spPr>
-      </p:pic>
-      <p:pic>
-        <p:nvPicPr>
-          <p:cNvPr id="35" name="Picture 34">
-            <a:extLst>
-              <a:ext uri="{FF2B5EF4-FFF2-40B4-BE49-F238E27FC236}">
-                <a16:creationId xmlns:a16="http://schemas.microsoft.com/office/drawing/2014/main" id="{D757CE0D-0447-9614-1431-4AA61C315B7C}"/>
-              </a:ext>
-            </a:extLst>
-          </p:cNvPr>
-          <p:cNvPicPr>
-            <a:picLocks noChangeAspect="1"/>
-          </p:cNvPicPr>
-          <p:nvPr/>
-        </p:nvPicPr>
-        <p:blipFill>
-          <a:blip r:embed="rId2"/>
-          <a:stretch>
-            <a:fillRect/>
-          </a:stretch>
-        </p:blipFill>
-        <p:spPr>
-          <a:xfrm>
-            <a:off x="1098268" y="1246843"/>
-            <a:ext cx="1520570" cy="1180443"/>
-          </a:xfrm>
-          <a:prstGeom prst="rect">
-            <a:avLst/>
-          </a:prstGeom>
-        </p:spPr>
-      </p:pic>
-      <p:pic>
-        <p:nvPicPr>
-          <p:cNvPr id="9" name="Picture 8">
-            <a:extLst>
-              <a:ext uri="{FF2B5EF4-FFF2-40B4-BE49-F238E27FC236}">
-                <a16:creationId xmlns:a16="http://schemas.microsoft.com/office/drawing/2014/main" id="{89A5BB1E-355B-A7E6-3863-1C253D70F1D4}"/>
+                <a16:creationId xmlns:a16="http://schemas.microsoft.com/office/drawing/2014/main" id="{AAF4AC00-5EF8-6401-60F6-2883564FCA3F}"/>
               </a:ext>
             </a:extLst>
           </p:cNvPr>
@@ -3124,7 +3034,7 @@
         </p:blipFill>
         <p:spPr>
           <a:xfrm>
-            <a:off x="5825064" y="5283191"/>
+            <a:off x="272485" y="626133"/>
             <a:ext cx="5486400" cy="4572000"/>
           </a:xfrm>
           <a:prstGeom prst="rect">
@@ -3132,12 +3042,50 @@
           </a:prstGeom>
         </p:spPr>
       </p:pic>
+      <p:sp>
+        <p:nvSpPr>
+          <p:cNvPr id="10" name="TextBox 9">
+            <a:extLst>
+              <a:ext uri="{FF2B5EF4-FFF2-40B4-BE49-F238E27FC236}">
+                <a16:creationId xmlns:a16="http://schemas.microsoft.com/office/drawing/2014/main" id="{25DEA3D9-3657-B471-47BF-36E0A1034827}"/>
+              </a:ext>
+            </a:extLst>
+          </p:cNvPr>
+          <p:cNvSpPr txBox="1"/>
+          <p:nvPr/>
+        </p:nvSpPr>
+        <p:spPr>
+          <a:xfrm>
+            <a:off x="728134" y="97137"/>
+            <a:ext cx="5912196" cy="461665"/>
+          </a:xfrm>
+          <a:prstGeom prst="rect">
+            <a:avLst/>
+          </a:prstGeom>
+          <a:noFill/>
+        </p:spPr>
+        <p:txBody>
+          <a:bodyPr wrap="none" rtlCol="0">
+            <a:spAutoFit/>
+          </a:bodyPr>
+          <a:lstStyle/>
+          <a:p>
+            <a:r>
+              <a:rPr lang="en-US" sz="2400" b="1" dirty="0">
+                <a:latin typeface="Arial" panose="020B0604020202020204" pitchFamily="34" charset="0"/>
+                <a:cs typeface="Arial" panose="020B0604020202020204" pitchFamily="34" charset="0"/>
+              </a:rPr>
+              <a:t>Rate of Spread (m/s) across Simulation</a:t>
+            </a:r>
+          </a:p>
+        </p:txBody>
+      </p:sp>
       <p:pic>
         <p:nvPicPr>
-          <p:cNvPr id="8" name="Picture 7">
+          <p:cNvPr id="15" name="Picture 14">
             <a:extLst>
               <a:ext uri="{FF2B5EF4-FFF2-40B4-BE49-F238E27FC236}">
-                <a16:creationId xmlns:a16="http://schemas.microsoft.com/office/drawing/2014/main" id="{70BDEE86-E70E-98DB-5D6F-B7D554F20195}"/>
+                <a16:creationId xmlns:a16="http://schemas.microsoft.com/office/drawing/2014/main" id="{1357B219-7A49-2ADE-7E74-D5075548EDEE}"/>
               </a:ext>
             </a:extLst>
           </p:cNvPr>
@@ -3154,7 +3102,7 @@
         </p:blipFill>
         <p:spPr>
           <a:xfrm>
-            <a:off x="5825064" y="660398"/>
+            <a:off x="5943600" y="626133"/>
             <a:ext cx="5486400" cy="4572000"/>
           </a:xfrm>
           <a:prstGeom prst="rect">
@@ -3164,10 +3112,10 @@
       </p:pic>
       <p:pic>
         <p:nvPicPr>
-          <p:cNvPr id="7" name="Picture 6">
+          <p:cNvPr id="14" name="Picture 13">
             <a:extLst>
               <a:ext uri="{FF2B5EF4-FFF2-40B4-BE49-F238E27FC236}">
-                <a16:creationId xmlns:a16="http://schemas.microsoft.com/office/drawing/2014/main" id="{9B59CF06-1A16-6046-5F8A-E3A5B0CC1A1E}"/>
+                <a16:creationId xmlns:a16="http://schemas.microsoft.com/office/drawing/2014/main" id="{88DD8CA7-8BE9-041D-2F43-84AB31BDDDE7}"/>
               </a:ext>
             </a:extLst>
           </p:cNvPr>
@@ -3184,7 +3132,7 @@
         </p:blipFill>
         <p:spPr>
           <a:xfrm>
-            <a:off x="287867" y="660398"/>
+            <a:off x="5943600" y="5389263"/>
             <a:ext cx="5486400" cy="4572000"/>
           </a:xfrm>
           <a:prstGeom prst="rect">
@@ -3192,50 +3140,12 @@
           </a:prstGeom>
         </p:spPr>
       </p:pic>
-      <p:sp>
-        <p:nvSpPr>
-          <p:cNvPr id="10" name="TextBox 9">
+      <p:pic>
+        <p:nvPicPr>
+          <p:cNvPr id="5" name="Picture 4">
             <a:extLst>
               <a:ext uri="{FF2B5EF4-FFF2-40B4-BE49-F238E27FC236}">
-                <a16:creationId xmlns:a16="http://schemas.microsoft.com/office/drawing/2014/main" id="{25DEA3D9-3657-B471-47BF-36E0A1034827}"/>
-              </a:ext>
-            </a:extLst>
-          </p:cNvPr>
-          <p:cNvSpPr txBox="1"/>
-          <p:nvPr/>
-        </p:nvSpPr>
-        <p:spPr>
-          <a:xfrm>
-            <a:off x="728134" y="97137"/>
-            <a:ext cx="6786153" cy="461665"/>
-          </a:xfrm>
-          <a:prstGeom prst="rect">
-            <a:avLst/>
-          </a:prstGeom>
-          <a:noFill/>
-        </p:spPr>
-        <p:txBody>
-          <a:bodyPr wrap="none" rtlCol="0">
-            <a:spAutoFit/>
-          </a:bodyPr>
-          <a:lstStyle/>
-          <a:p>
-            <a:r>
-              <a:rPr lang="en-US" sz="2400" b="1" dirty="0">
-                <a:latin typeface="Arial" panose="020B0604020202020204" pitchFamily="34" charset="0"/>
-                <a:cs typeface="Arial" panose="020B0604020202020204" pitchFamily="34" charset="0"/>
-              </a:rPr>
-              <a:t>Average Wind Speed (m/s) across Simulation</a:t>
-            </a:r>
-          </a:p>
-        </p:txBody>
-      </p:sp>
-      <p:pic>
-        <p:nvPicPr>
-          <p:cNvPr id="6" name="Picture 5">
-            <a:extLst>
-              <a:ext uri="{FF2B5EF4-FFF2-40B4-BE49-F238E27FC236}">
-                <a16:creationId xmlns:a16="http://schemas.microsoft.com/office/drawing/2014/main" id="{F0FFC537-14F0-B5B4-6A9B-DAFDAC7A78A7}"/>
+                <a16:creationId xmlns:a16="http://schemas.microsoft.com/office/drawing/2014/main" id="{E4F3E5D7-2CD7-C26D-D044-98C70D35C2AF}"/>
               </a:ext>
             </a:extLst>
           </p:cNvPr>
@@ -3252,8 +3162,98 @@
         </p:blipFill>
         <p:spPr>
           <a:xfrm>
-            <a:off x="287867" y="5232398"/>
-            <a:ext cx="5486400" cy="4572000"/>
+            <a:off x="8946257" y="2916174"/>
+            <a:ext cx="1536700" cy="1181100"/>
+          </a:xfrm>
+          <a:prstGeom prst="rect">
+            <a:avLst/>
+          </a:prstGeom>
+        </p:spPr>
+      </p:pic>
+      <p:pic>
+        <p:nvPicPr>
+          <p:cNvPr id="16" name="Picture 15">
+            <a:extLst>
+              <a:ext uri="{FF2B5EF4-FFF2-40B4-BE49-F238E27FC236}">
+                <a16:creationId xmlns:a16="http://schemas.microsoft.com/office/drawing/2014/main" id="{6904A919-BCD3-13F9-57E7-8A4F3A25F450}"/>
+              </a:ext>
+            </a:extLst>
+          </p:cNvPr>
+          <p:cNvPicPr>
+            <a:picLocks noChangeAspect="1"/>
+          </p:cNvPicPr>
+          <p:nvPr/>
+        </p:nvPicPr>
+        <p:blipFill>
+          <a:blip r:embed="rId6"/>
+          <a:stretch>
+            <a:fillRect/>
+          </a:stretch>
+        </p:blipFill>
+        <p:spPr>
+          <a:xfrm>
+            <a:off x="8946257" y="7655566"/>
+            <a:ext cx="1536700" cy="1181100"/>
+          </a:xfrm>
+          <a:prstGeom prst="rect">
+            <a:avLst/>
+          </a:prstGeom>
+        </p:spPr>
+      </p:pic>
+      <p:pic>
+        <p:nvPicPr>
+          <p:cNvPr id="17" name="Picture 16">
+            <a:extLst>
+              <a:ext uri="{FF2B5EF4-FFF2-40B4-BE49-F238E27FC236}">
+                <a16:creationId xmlns:a16="http://schemas.microsoft.com/office/drawing/2014/main" id="{EF6713D9-85E3-9BE5-CA89-E9EAA8FD8CF0}"/>
+              </a:ext>
+            </a:extLst>
+          </p:cNvPr>
+          <p:cNvPicPr>
+            <a:picLocks noChangeAspect="1"/>
+          </p:cNvPicPr>
+          <p:nvPr/>
+        </p:nvPicPr>
+        <p:blipFill>
+          <a:blip r:embed="rId6"/>
+          <a:stretch>
+            <a:fillRect/>
+          </a:stretch>
+        </p:blipFill>
+        <p:spPr>
+          <a:xfrm>
+            <a:off x="3297459" y="2916174"/>
+            <a:ext cx="1536700" cy="1181100"/>
+          </a:xfrm>
+          <a:prstGeom prst="rect">
+            <a:avLst/>
+          </a:prstGeom>
+        </p:spPr>
+      </p:pic>
+      <p:pic>
+        <p:nvPicPr>
+          <p:cNvPr id="18" name="Picture 17">
+            <a:extLst>
+              <a:ext uri="{FF2B5EF4-FFF2-40B4-BE49-F238E27FC236}">
+                <a16:creationId xmlns:a16="http://schemas.microsoft.com/office/drawing/2014/main" id="{2978DF9F-5DD9-00CA-B593-9AE68BC7BCE6}"/>
+              </a:ext>
+            </a:extLst>
+          </p:cNvPr>
+          <p:cNvPicPr>
+            <a:picLocks noChangeAspect="1"/>
+          </p:cNvPicPr>
+          <p:nvPr/>
+        </p:nvPicPr>
+        <p:blipFill>
+          <a:blip r:embed="rId6"/>
+          <a:stretch>
+            <a:fillRect/>
+          </a:stretch>
+        </p:blipFill>
+        <p:spPr>
+          <a:xfrm>
+            <a:off x="3297459" y="7655566"/>
+            <a:ext cx="1536700" cy="1181100"/>
           </a:xfrm>
           <a:prstGeom prst="rect">
             <a:avLst/>
